--- a/PPT/02 MongoDB简介.pptx
+++ b/PPT/02 MongoDB简介.pptx
@@ -144,7 +144,7 @@
   </p:defaultTextStyle>
   <p:extLst>
     <p:ext uri="{EFAFB233-063F-42B5-8137-9DF3F51BA10A}">
-      <p15:sldGuideLst xmlns:p15="http://schemas.microsoft.com/office/powerpoint/2012/main" xmlns="">
+      <p15:sldGuideLst xmlns="" xmlns:p15="http://schemas.microsoft.com/office/powerpoint/2012/main">
         <p15:guide id="1" orient="horz" pos="4320" userDrawn="1">
           <p15:clr>
             <a:srgbClr val="A4A3A4"/>
@@ -168,7 +168,7 @@
       </p15:sldGuideLst>
     </p:ext>
     <p:ext uri="{2D200454-40CA-4A62-9FC3-DE9A4176ACB9}">
-      <p15:notesGuideLst xmlns:p15="http://schemas.microsoft.com/office/powerpoint/2012/main" xmlns=""/>
+      <p15:notesGuideLst xmlns="" xmlns:p15="http://schemas.microsoft.com/office/powerpoint/2012/main"/>
     </p:ext>
   </p:extLst>
 </p:presentation>
@@ -4217,7 +4217,7 @@
           </a:ln>
           <a:extLst>
             <a:ext uri="{C572A759-6A51-4108-AA02-DFA0A04FC94B}">
-              <ma14:wrappingTextBoxFlag xmlns:ma14="http://schemas.microsoft.com/office/mac/drawingml/2011/main" xmlns="" val="1"/>
+              <ma14:wrappingTextBoxFlag xmlns="" xmlns:ma14="http://schemas.microsoft.com/office/mac/drawingml/2011/main" val="1"/>
             </a:ext>
           </a:extLst>
         </p:spPr>
@@ -4273,7 +4273,7 @@
           </a:ln>
           <a:extLst>
             <a:ext uri="{C572A759-6A51-4108-AA02-DFA0A04FC94B}">
-              <ma14:wrappingTextBoxFlag xmlns:ma14="http://schemas.microsoft.com/office/mac/drawingml/2011/main" xmlns="" val="1"/>
+              <ma14:wrappingTextBoxFlag xmlns="" xmlns:ma14="http://schemas.microsoft.com/office/mac/drawingml/2011/main" val="1"/>
             </a:ext>
           </a:extLst>
         </p:spPr>
@@ -11263,7 +11263,7 @@
         <p:spPr bwMode="auto">
           <a:xfrm>
             <a:off x="518410" y="3291830"/>
-            <a:ext cx="6480720" cy="1065420"/>
+            <a:ext cx="6480720" cy="750205"/>
           </a:xfrm>
           <a:prstGeom prst="rect">
             <a:avLst/>
@@ -11346,14 +11346,14 @@
               <a:defRPr/>
             </a:pPr>
             <a:r>
-              <a:rPr lang="en-US" altLang="zh-CN" dirty="0">
-                <a:solidFill>
-                  <a:schemeClr val="bg1"/>
-                </a:solidFill>
-                <a:latin typeface="宋体" panose="02010600030101010101" pitchFamily="2" charset="-122"/>
-                <a:ea typeface="宋体" panose="02010600030101010101" pitchFamily="2" charset="-122"/>
-              </a:rPr>
-              <a:t>MongoDB</a:t>
+              <a:rPr lang="zh-CN" altLang="en-US" dirty="0" smtClean="0">
+                <a:solidFill>
+                  <a:schemeClr val="bg1"/>
+                </a:solidFill>
+                <a:latin typeface="宋体" panose="02010600030101010101" pitchFamily="2" charset="-122"/>
+                <a:ea typeface="宋体" panose="02010600030101010101" pitchFamily="2" charset="-122"/>
+              </a:rPr>
+              <a:t>在</a:t>
             </a:r>
             <a:r>
               <a:rPr lang="zh-CN" altLang="en-US" dirty="0">
@@ -11363,27 +11363,7 @@
                 <a:latin typeface="宋体" panose="02010600030101010101" pitchFamily="2" charset="-122"/>
                 <a:ea typeface="宋体" panose="02010600030101010101" pitchFamily="2" charset="-122"/>
               </a:rPr>
-              <a:t>没有单独创建集合名的</a:t>
-            </a:r>
-            <a:r>
-              <a:rPr lang="en-US" altLang="zh-CN" dirty="0">
-                <a:solidFill>
-                  <a:schemeClr val="bg1"/>
-                </a:solidFill>
-                <a:latin typeface="宋体" panose="02010600030101010101" pitchFamily="2" charset="-122"/>
-                <a:ea typeface="宋体" panose="02010600030101010101" pitchFamily="2" charset="-122"/>
-              </a:rPr>
-              <a:t>shell</a:t>
-            </a:r>
-            <a:r>
-              <a:rPr lang="zh-CN" altLang="en-US" dirty="0">
-                <a:solidFill>
-                  <a:schemeClr val="bg1"/>
-                </a:solidFill>
-                <a:latin typeface="宋体" panose="02010600030101010101" pitchFamily="2" charset="-122"/>
-                <a:ea typeface="宋体" panose="02010600030101010101" pitchFamily="2" charset="-122"/>
-              </a:rPr>
-              <a:t>命令，在插入数据的时候，</a:t>
+              <a:t>插入数据的时候，</a:t>
             </a:r>
             <a:r>
               <a:rPr lang="en-US" altLang="zh-CN" dirty="0">
@@ -11418,7 +11398,7 @@
         </p:nvSpPr>
         <p:spPr bwMode="auto">
           <a:xfrm>
-            <a:off x="479612" y="4409776"/>
+            <a:off x="518120" y="4158615"/>
             <a:ext cx="6480720" cy="984885"/>
           </a:xfrm>
           <a:prstGeom prst="rect">
@@ -12246,11 +12226,7 @@
             </a:r>
             <a:r>
               <a:rPr lang="en-US" altLang="zh-CN" dirty="0" smtClean="0"/>
-              <a:t>S</a:t>
-            </a:r>
-            <a:r>
-              <a:rPr lang="en-US" altLang="zh-CN" dirty="0" smtClean="0"/>
-              <a:t>hell</a:t>
+              <a:t>Shell</a:t>
             </a:r>
             <a:r>
               <a:rPr lang="zh-CN" altLang="en-US" dirty="0"/>
@@ -12353,17 +12329,7 @@
                 <a:latin typeface="宋体" panose="02010600030101010101" pitchFamily="2" charset="-122"/>
                 <a:ea typeface="宋体" panose="02010600030101010101" pitchFamily="2" charset="-122"/>
               </a:rPr>
-              <a:t>数据库中，那么</a:t>
-            </a:r>
-            <a:r>
-              <a:rPr lang="zh-CN" altLang="en-US" sz="2000" dirty="0" smtClean="0">
-                <a:solidFill>
-                  <a:schemeClr val="bg1"/>
-                </a:solidFill>
-                <a:latin typeface="宋体" panose="02010600030101010101" pitchFamily="2" charset="-122"/>
-                <a:ea typeface="宋体" panose="02010600030101010101" pitchFamily="2" charset="-122"/>
-              </a:rPr>
-              <a:t>该用户就自动继承了所有数据库的权限</a:t>
+              <a:t>数据库中，那么该用户就自动继承了所有数据库的权限</a:t>
             </a:r>
             <a:endParaRPr lang="en-US" altLang="zh-CN" sz="2000" dirty="0" smtClean="0">
               <a:solidFill>
@@ -20426,7 +20392,7 @@
   <a:extraClrSchemeLst/>
   <a:extLst>
     <a:ext uri="{05A4C25C-085E-4340-85A3-A5531E510DB2}">
-      <thm15:themeFamily xmlns:thm15="http://schemas.microsoft.com/office/thememl/2012/main" xmlns="" name="PPT模板V2-Windows-PowerPoint-PPT.potx" id="{20762C19-B23E-4BEB-93D1-C3851CE18177}" vid="{DBA93716-93B0-4C40-BF2A-3EFAFA21AD83}"/>
+      <thm15:themeFamily xmlns="" xmlns:thm15="http://schemas.microsoft.com/office/thememl/2012/main" name="PPT模板V2-Windows-PowerPoint-PPT.potx" id="{20762C19-B23E-4BEB-93D1-C3851CE18177}" vid="{DBA93716-93B0-4C40-BF2A-3EFAFA21AD83}"/>
     </a:ext>
   </a:extLst>
 </a:theme>
@@ -21756,7 +21722,7 @@
   <a:extraClrSchemeLst/>
   <a:extLst>
     <a:ext uri="{05A4C25C-085E-4340-85A3-A5531E510DB2}">
-      <thm15:themeFamily xmlns:thm15="http://schemas.microsoft.com/office/thememl/2012/main" xmlns="" name="Office Theme" id="{62F939B6-93AF-4DB8-9C6B-D6C7DFDC589F}" vid="{4A3C46E8-61CC-4603-A589-7422A47A8E4A}"/>
+      <thm15:themeFamily xmlns="" xmlns:thm15="http://schemas.microsoft.com/office/thememl/2012/main" name="Office Theme" id="{62F939B6-93AF-4DB8-9C6B-D6C7DFDC589F}" vid="{4A3C46E8-61CC-4603-A589-7422A47A8E4A}"/>
     </a:ext>
   </a:extLst>
 </a:theme>
